--- a/発表資料/自由課題_No.220_加藤稔朗.pptx
+++ b/発表資料/自由課題_No.220_加藤稔朗.pptx
@@ -202,7 +202,7 @@
           <a:p>
             <a:fld id="{6A2E76F3-DE40-4940-932F-35A21AFF264F}" type="datetimeFigureOut">
               <a:rPr kumimoji="1" lang="ja-JP" altLang="en-US" smtClean="0"/>
-              <a:t>2019/6/21</a:t>
+              <a:t>2019/6/24</a:t>
             </a:fld>
             <a:endParaRPr kumimoji="1" lang="ja-JP" altLang="en-US"/>
           </a:p>
@@ -644,8 +644,12 @@
           <a:lstStyle/>
           <a:p>
             <a:r>
+              <a:rPr kumimoji="1" lang="ja-JP" altLang="en-US"/>
+              <a:t>私の自由課題の</a:t>
+            </a:r>
+            <a:r>
               <a:rPr kumimoji="1" lang="ja-JP" altLang="en-US" dirty="0"/>
-              <a:t>私が作成したアプリのテーマはおすすめのアニメを教えてくれるアプリです。自分の好きなアニメのタイトルを入力すると、似ているアニメと、特徴及び評価が近いアニメを表示してくれます。</a:t>
+              <a:t>テーマはおすすめのアニメを教えてくれるアプリです。自分の好きなアニメのタイトルを入力すると、似ているアニメと、特徴及び評価が近いアニメを表示してくれます。</a:t>
             </a:r>
             <a:endParaRPr kumimoji="1" lang="en-US" altLang="ja-JP" dirty="0"/>
           </a:p>
@@ -1267,7 +1271,7 @@
           <a:p>
             <a:fld id="{7F66ACBD-50A7-4FA7-AEF4-1526A2F3BBD7}" type="datetime1">
               <a:rPr lang="en-US" altLang="ja-JP" smtClean="0"/>
-              <a:t>6/21/2019</a:t>
+              <a:t>6/24/2019</a:t>
             </a:fld>
             <a:endParaRPr lang="en-US" dirty="0"/>
           </a:p>
@@ -2361,7 +2365,7 @@
           <a:p>
             <a:fld id="{D4842B0A-7F53-46A9-84AD-CAC305830B72}" type="datetime1">
               <a:rPr lang="en-US" altLang="ja-JP" smtClean="0"/>
-              <a:t>6/21/2019</a:t>
+              <a:t>6/24/2019</a:t>
             </a:fld>
             <a:endParaRPr lang="en-US" dirty="0"/>
           </a:p>
@@ -3348,7 +3352,7 @@
           <a:p>
             <a:fld id="{D4842B0A-7F53-46A9-84AD-CAC305830B72}" type="datetime1">
               <a:rPr lang="en-US" altLang="ja-JP" smtClean="0"/>
-              <a:t>6/21/2019</a:t>
+              <a:t>6/24/2019</a:t>
             </a:fld>
             <a:endParaRPr lang="en-US" dirty="0"/>
           </a:p>
@@ -4489,7 +4493,7 @@
           <a:p>
             <a:fld id="{D4842B0A-7F53-46A9-84AD-CAC305830B72}" type="datetime1">
               <a:rPr lang="en-US" altLang="ja-JP" smtClean="0"/>
-              <a:t>6/21/2019</a:t>
+              <a:t>6/24/2019</a:t>
             </a:fld>
             <a:endParaRPr lang="en-US" dirty="0"/>
           </a:p>
@@ -5529,7 +5533,7 @@
           <a:p>
             <a:fld id="{D4842B0A-7F53-46A9-84AD-CAC305830B72}" type="datetime1">
               <a:rPr lang="en-US" altLang="ja-JP" smtClean="0"/>
-              <a:t>6/21/2019</a:t>
+              <a:t>6/24/2019</a:t>
             </a:fld>
             <a:endParaRPr lang="en-US" dirty="0"/>
           </a:p>
@@ -6196,7 +6200,7 @@
           <a:p>
             <a:fld id="{D4842B0A-7F53-46A9-84AD-CAC305830B72}" type="datetime1">
               <a:rPr lang="en-US" altLang="ja-JP" smtClean="0"/>
-              <a:t>6/21/2019</a:t>
+              <a:t>6/24/2019</a:t>
             </a:fld>
             <a:endParaRPr lang="en-US" dirty="0"/>
           </a:p>
@@ -7064,7 +7068,7 @@
           <a:p>
             <a:fld id="{D4842B0A-7F53-46A9-84AD-CAC305830B72}" type="datetime1">
               <a:rPr lang="en-US" altLang="ja-JP" smtClean="0"/>
-              <a:t>6/21/2019</a:t>
+              <a:t>6/24/2019</a:t>
             </a:fld>
             <a:endParaRPr lang="en-US" dirty="0"/>
           </a:p>
@@ -7293,7 +7297,7 @@
           <a:p>
             <a:fld id="{0E6C27FB-3560-4A28-944F-E9F18B426362}" type="datetime1">
               <a:rPr lang="en-US" altLang="ja-JP" smtClean="0"/>
-              <a:t>6/21/2019</a:t>
+              <a:t>6/24/2019</a:t>
             </a:fld>
             <a:endParaRPr lang="en-US" dirty="0"/>
           </a:p>
@@ -8303,7 +8307,7 @@
           <a:p>
             <a:fld id="{531EDF72-96E7-4295-8030-0533A9CFCD4C}" type="datetime1">
               <a:rPr lang="en-US" altLang="ja-JP" smtClean="0"/>
-              <a:t>6/21/2019</a:t>
+              <a:t>6/24/2019</a:t>
             </a:fld>
             <a:endParaRPr lang="en-US" dirty="0"/>
           </a:p>
@@ -8552,7 +8556,7 @@
           <a:p>
             <a:fld id="{EB838B0E-EF5D-444C-86B8-F749174EBA9E}" type="datetime1">
               <a:rPr lang="en-US" altLang="ja-JP" smtClean="0"/>
-              <a:t>6/21/2019</a:t>
+              <a:t>6/24/2019</a:t>
             </a:fld>
             <a:endParaRPr lang="en-US" dirty="0"/>
           </a:p>
@@ -9592,7 +9596,7 @@
           <a:p>
             <a:fld id="{5CAB1F5B-3D1E-4C66-A732-9948D5D1433F}" type="datetime1">
               <a:rPr lang="en-US" altLang="ja-JP" smtClean="0"/>
-              <a:t>6/21/2019</a:t>
+              <a:t>6/24/2019</a:t>
             </a:fld>
             <a:endParaRPr lang="en-US" dirty="0"/>
           </a:p>
@@ -9934,7 +9938,7 @@
           <a:p>
             <a:fld id="{8C9E09E1-9F18-479E-9333-6D5313B28641}" type="datetime1">
               <a:rPr lang="en-US" altLang="ja-JP" smtClean="0"/>
-              <a:t>6/21/2019</a:t>
+              <a:t>6/24/2019</a:t>
             </a:fld>
             <a:endParaRPr lang="en-US" dirty="0"/>
           </a:p>
@@ -10414,7 +10418,7 @@
           <a:p>
             <a:fld id="{0BC6A8C0-A581-4FA1-A218-315132F76B88}" type="datetime1">
               <a:rPr lang="en-US" altLang="ja-JP" smtClean="0"/>
-              <a:t>6/21/2019</a:t>
+              <a:t>6/24/2019</a:t>
             </a:fld>
             <a:endParaRPr lang="en-US" dirty="0"/>
           </a:p>
@@ -10547,7 +10551,7 @@
           <a:p>
             <a:fld id="{075DFA2F-3865-44B8-96BE-FEC694BE28F6}" type="datetime1">
               <a:rPr lang="en-US" altLang="ja-JP" smtClean="0"/>
-              <a:t>6/21/2019</a:t>
+              <a:t>6/24/2019</a:t>
             </a:fld>
             <a:endParaRPr lang="en-US" dirty="0"/>
           </a:p>
@@ -10648,7 +10652,7 @@
           <a:p>
             <a:fld id="{15002988-E463-4896-8A3F-FFAFEE60B5F2}" type="datetime1">
               <a:rPr lang="en-US" altLang="ja-JP" smtClean="0"/>
-              <a:t>6/21/2019</a:t>
+              <a:t>6/24/2019</a:t>
             </a:fld>
             <a:endParaRPr lang="en-US" dirty="0"/>
           </a:p>
@@ -11767,7 +11771,7 @@
           <a:p>
             <a:fld id="{8C00A98F-F361-450E-BF47-856E13DA0A48}" type="datetime1">
               <a:rPr lang="en-US" altLang="ja-JP" smtClean="0"/>
-              <a:t>6/21/2019</a:t>
+              <a:t>6/24/2019</a:t>
             </a:fld>
             <a:endParaRPr lang="en-US" dirty="0"/>
           </a:p>
@@ -12881,7 +12885,7 @@
           <a:p>
             <a:fld id="{9D73FAA7-8321-47E5-914D-3A702AA0F94F}" type="datetime1">
               <a:rPr lang="en-US" altLang="ja-JP" smtClean="0"/>
-              <a:t>6/21/2019</a:t>
+              <a:t>6/24/2019</a:t>
             </a:fld>
             <a:endParaRPr lang="en-US" dirty="0"/>
           </a:p>
@@ -13916,7 +13920,7 @@
           <a:p>
             <a:fld id="{D4842B0A-7F53-46A9-84AD-CAC305830B72}" type="datetime1">
               <a:rPr lang="en-US" altLang="ja-JP" smtClean="0"/>
-              <a:t>6/21/2019</a:t>
+              <a:t>6/24/2019</a:t>
             </a:fld>
             <a:endParaRPr lang="en-US" dirty="0"/>
           </a:p>
@@ -16166,7 +16170,7 @@
         </p:nvCxnSpPr>
         <p:spPr>
           <a:xfrm flipV="1">
-            <a:off x="8473048" y="4488018"/>
+            <a:off x="8529789" y="4488018"/>
             <a:ext cx="2124796" cy="557051"/>
           </a:xfrm>
           <a:prstGeom prst="straightConnector1">
@@ -16237,8 +16241,8 @@
           </a:p>
         </p:txBody>
       </p:sp>
-      <mc:AlternateContent xmlns:mc="http://schemas.openxmlformats.org/markup-compatibility/2006">
-        <mc:Choice xmlns:a14="http://schemas.microsoft.com/office/drawing/2010/main" Requires="a14">
+      <mc:AlternateContent xmlns:mc="http://schemas.openxmlformats.org/markup-compatibility/2006" xmlns:a14="http://schemas.microsoft.com/office/drawing/2010/main">
+        <mc:Choice Requires="a14">
           <p:sp>
             <p:nvSpPr>
               <p:cNvPr id="38" name="テキスト ボックス 37">
@@ -16272,7 +16276,6 @@
               </a:bodyPr>
               <a:lstStyle/>
               <a:p>
-                <a:pPr/>
                 <a14:m>
                   <m:oMath xmlns:m="http://schemas.openxmlformats.org/officeDocument/2006/math">
                     <m:func>
@@ -16331,7 +16334,6 @@
                 <a:endParaRPr kumimoji="1" lang="ja-JP" altLang="en-US" sz="3200" dirty="0"/>
               </a:p>
               <a:p>
-                <a:pPr/>
                 <a14:m>
                   <m:oMath xmlns:m="http://schemas.openxmlformats.org/officeDocument/2006/math">
                     <m:func>
@@ -16396,7 +16398,6 @@
                 <a:endParaRPr kumimoji="1" lang="ja-JP" altLang="en-US" sz="3200" dirty="0"/>
               </a:p>
               <a:p>
-                <a:pPr/>
                 <a14:m>
                   <m:oMath xmlns:m="http://schemas.openxmlformats.org/officeDocument/2006/math">
                     <m:func>
@@ -16457,7 +16458,7 @@
             </p:txBody>
           </p:sp>
         </mc:Choice>
-        <mc:Fallback>
+        <mc:Fallback xmlns="">
           <p:sp>
             <p:nvSpPr>
               <p:cNvPr id="38" name="テキスト ボックス 37">
@@ -16590,12 +16591,12 @@
         <p:spPr>
           <a:xfrm>
             <a:off x="565903" y="2309426"/>
-            <a:ext cx="5655775" cy="3092891"/>
+            <a:ext cx="5655775" cy="3586877"/>
           </a:xfrm>
         </p:spPr>
         <p:txBody>
           <a:bodyPr>
-            <a:normAutofit lnSpcReduction="10000"/>
+            <a:normAutofit/>
           </a:bodyPr>
           <a:lstStyle/>
           <a:p>
@@ -16657,20 +16658,6 @@
               <a:t>を追加</a:t>
             </a:r>
             <a:endParaRPr lang="en-US" altLang="ja-JP" sz="3600" dirty="0">
-              <a:latin typeface="+mn-ea"/>
-            </a:endParaRPr>
-          </a:p>
-          <a:p>
-            <a:pPr marL="0" indent="0">
-              <a:buNone/>
-            </a:pPr>
-            <a:r>
-              <a:rPr kumimoji="1" lang="ja-JP" altLang="en-US" sz="3600" dirty="0">
-                <a:latin typeface="+mn-ea"/>
-              </a:rPr>
-              <a:t>　・並列処理の理解</a:t>
-            </a:r>
-            <a:endParaRPr kumimoji="1" lang="en-US" altLang="ja-JP" sz="3600" dirty="0">
               <a:latin typeface="+mn-ea"/>
             </a:endParaRPr>
           </a:p>

--- a/発表資料/自由課題_No.220_加藤稔朗.pptx
+++ b/発表資料/自由課題_No.220_加藤稔朗.pptx
@@ -202,7 +202,7 @@
           <a:p>
             <a:fld id="{6A2E76F3-DE40-4940-932F-35A21AFF264F}" type="datetimeFigureOut">
               <a:rPr kumimoji="1" lang="ja-JP" altLang="en-US" smtClean="0"/>
-              <a:t>2019/6/21</a:t>
+              <a:t>2019/6/23</a:t>
             </a:fld>
             <a:endParaRPr kumimoji="1" lang="ja-JP" altLang="en-US"/>
           </a:p>
@@ -738,6 +738,190 @@
           <a:lstStyle/>
           <a:p>
             <a:r>
+              <a:rPr kumimoji="1" lang="ja-JP" altLang="en-US" dirty="0" smtClean="0"/>
+              <a:t>コサイン類似度とは、文書の特徴をベクトル化し、ベクトル同士の角度を求めることです。</a:t>
+            </a:r>
+            <a:endParaRPr kumimoji="1" lang="ja-JP" altLang="en-US" dirty="0"/>
+          </a:p>
+        </p:txBody>
+      </p:sp>
+      <p:sp>
+        <p:nvSpPr>
+          <p:cNvPr id="4" name="スライド番号プレースホルダー 3"/>
+          <p:cNvSpPr>
+            <a:spLocks noGrp="1"/>
+          </p:cNvSpPr>
+          <p:nvPr>
+            <p:ph type="sldNum" sz="quarter" idx="10"/>
+          </p:nvPr>
+        </p:nvSpPr>
+        <p:spPr/>
+        <p:txBody>
+          <a:bodyPr/>
+          <a:lstStyle/>
+          <a:p>
+            <a:fld id="{539C9FA8-1ED3-46AF-8286-35DCEEDA30DC}" type="slidenum">
+              <a:rPr kumimoji="1" lang="ja-JP" altLang="en-US" smtClean="0"/>
+              <a:t>3</a:t>
+            </a:fld>
+            <a:endParaRPr kumimoji="1" lang="ja-JP" altLang="en-US"/>
+          </a:p>
+        </p:txBody>
+      </p:sp>
+    </p:spTree>
+    <p:extLst>
+      <p:ext uri="{BB962C8B-B14F-4D97-AF65-F5344CB8AC3E}">
+        <p14:creationId xmlns:p14="http://schemas.microsoft.com/office/powerpoint/2010/main" val="3866770973"/>
+      </p:ext>
+    </p:extLst>
+  </p:cSld>
+  <p:clrMapOvr>
+    <a:masterClrMapping/>
+  </p:clrMapOvr>
+</p:notes>
+</file>
+
+<file path=ppt/notesSlides/notesSlide4.xml><?xml version="1.0" encoding="utf-8"?>
+<p:notes xmlns:a="http://schemas.openxmlformats.org/drawingml/2006/main" xmlns:r="http://schemas.openxmlformats.org/officeDocument/2006/relationships" xmlns:p="http://schemas.openxmlformats.org/presentationml/2006/main">
+  <p:cSld>
+    <p:spTree>
+      <p:nvGrpSpPr>
+        <p:cNvPr id="1" name=""/>
+        <p:cNvGrpSpPr/>
+        <p:nvPr/>
+      </p:nvGrpSpPr>
+      <p:grpSpPr>
+        <a:xfrm>
+          <a:off x="0" y="0"/>
+          <a:ext cx="0" cy="0"/>
+          <a:chOff x="0" y="0"/>
+          <a:chExt cx="0" cy="0"/>
+        </a:xfrm>
+      </p:grpSpPr>
+      <p:sp>
+        <p:nvSpPr>
+          <p:cNvPr id="2" name="スライド イメージ プレースホルダー 1"/>
+          <p:cNvSpPr>
+            <a:spLocks noGrp="1" noRot="1" noChangeAspect="1"/>
+          </p:cNvSpPr>
+          <p:nvPr>
+            <p:ph type="sldImg"/>
+          </p:nvPr>
+        </p:nvSpPr>
+        <p:spPr/>
+      </p:sp>
+      <p:sp>
+        <p:nvSpPr>
+          <p:cNvPr id="3" name="ノート プレースホルダー 2"/>
+          <p:cNvSpPr>
+            <a:spLocks noGrp="1"/>
+          </p:cNvSpPr>
+          <p:nvPr>
+            <p:ph type="body" idx="1"/>
+          </p:nvPr>
+        </p:nvSpPr>
+        <p:spPr/>
+        <p:txBody>
+          <a:bodyPr/>
+          <a:lstStyle/>
+          <a:p>
+            <a:r>
+              <a:rPr kumimoji="1" lang="ja-JP" altLang="en-US" dirty="0" smtClean="0"/>
+              <a:t>文書</a:t>
+            </a:r>
+            <a:r>
+              <a:rPr kumimoji="1" lang="en-US" altLang="ja-JP" dirty="0" smtClean="0"/>
+              <a:t>ABCD</a:t>
+            </a:r>
+            <a:r>
+              <a:rPr kumimoji="1" lang="ja-JP" altLang="en-US" dirty="0" smtClean="0"/>
+              <a:t>が右の図のようなベクトルの時</a:t>
+            </a:r>
+            <a:endParaRPr kumimoji="1" lang="ja-JP" altLang="en-US" dirty="0"/>
+          </a:p>
+        </p:txBody>
+      </p:sp>
+      <p:sp>
+        <p:nvSpPr>
+          <p:cNvPr id="4" name="スライド番号プレースホルダー 3"/>
+          <p:cNvSpPr>
+            <a:spLocks noGrp="1"/>
+          </p:cNvSpPr>
+          <p:nvPr>
+            <p:ph type="sldNum" sz="quarter" idx="10"/>
+          </p:nvPr>
+        </p:nvSpPr>
+        <p:spPr/>
+        <p:txBody>
+          <a:bodyPr/>
+          <a:lstStyle/>
+          <a:p>
+            <a:fld id="{539C9FA8-1ED3-46AF-8286-35DCEEDA30DC}" type="slidenum">
+              <a:rPr kumimoji="1" lang="ja-JP" altLang="en-US" smtClean="0"/>
+              <a:t>4</a:t>
+            </a:fld>
+            <a:endParaRPr kumimoji="1" lang="ja-JP" altLang="en-US"/>
+          </a:p>
+        </p:txBody>
+      </p:sp>
+    </p:spTree>
+    <p:extLst>
+      <p:ext uri="{BB962C8B-B14F-4D97-AF65-F5344CB8AC3E}">
+        <p14:creationId xmlns:p14="http://schemas.microsoft.com/office/powerpoint/2010/main" val="3191935644"/>
+      </p:ext>
+    </p:extLst>
+  </p:cSld>
+  <p:clrMapOvr>
+    <a:masterClrMapping/>
+  </p:clrMapOvr>
+</p:notes>
+</file>
+
+<file path=ppt/notesSlides/notesSlide5.xml><?xml version="1.0" encoding="utf-8"?>
+<p:notes xmlns:a="http://schemas.openxmlformats.org/drawingml/2006/main" xmlns:r="http://schemas.openxmlformats.org/officeDocument/2006/relationships" xmlns:p="http://schemas.openxmlformats.org/presentationml/2006/main">
+  <p:cSld>
+    <p:spTree>
+      <p:nvGrpSpPr>
+        <p:cNvPr id="1" name=""/>
+        <p:cNvGrpSpPr/>
+        <p:nvPr/>
+      </p:nvGrpSpPr>
+      <p:grpSpPr>
+        <a:xfrm>
+          <a:off x="0" y="0"/>
+          <a:ext cx="0" cy="0"/>
+          <a:chOff x="0" y="0"/>
+          <a:chExt cx="0" cy="0"/>
+        </a:xfrm>
+      </p:grpSpPr>
+      <p:sp>
+        <p:nvSpPr>
+          <p:cNvPr id="2" name="スライド イメージ プレースホルダー 1"/>
+          <p:cNvSpPr>
+            <a:spLocks noGrp="1" noRot="1" noChangeAspect="1"/>
+          </p:cNvSpPr>
+          <p:nvPr>
+            <p:ph type="sldImg"/>
+          </p:nvPr>
+        </p:nvSpPr>
+        <p:spPr/>
+      </p:sp>
+      <p:sp>
+        <p:nvSpPr>
+          <p:cNvPr id="3" name="ノート プレースホルダー 2"/>
+          <p:cNvSpPr>
+            <a:spLocks noGrp="1"/>
+          </p:cNvSpPr>
+          <p:nvPr>
+            <p:ph type="body" idx="1"/>
+          </p:nvPr>
+        </p:nvSpPr>
+        <p:spPr/>
+        <p:txBody>
+          <a:bodyPr/>
+          <a:lstStyle/>
+          <a:p>
+            <a:r>
               <a:rPr kumimoji="1" lang="ja-JP" altLang="en-US" dirty="0"/>
               <a:t>最後に、今回の発表をまとめますと、結論として、数値で表せないですが、精度が高いアプリになりました。前処理で苦労した点は、並列処理は</a:t>
             </a:r>
@@ -804,7 +988,7 @@
 </p:notes>
 </file>
 
-<file path=ppt/notesSlides/notesSlide4.xml><?xml version="1.0" encoding="utf-8"?>
+<file path=ppt/notesSlides/notesSlide6.xml><?xml version="1.0" encoding="utf-8"?>
 <p:notes xmlns:a="http://schemas.openxmlformats.org/drawingml/2006/main" xmlns:r="http://schemas.openxmlformats.org/officeDocument/2006/relationships" xmlns:p="http://schemas.openxmlformats.org/presentationml/2006/main">
   <p:cSld>
     <p:spTree>
@@ -1267,7 +1451,7 @@
           <a:p>
             <a:fld id="{7F66ACBD-50A7-4FA7-AEF4-1526A2F3BBD7}" type="datetime1">
               <a:rPr lang="en-US" altLang="ja-JP" smtClean="0"/>
-              <a:t>6/21/2019</a:t>
+              <a:t>6/23/2019</a:t>
             </a:fld>
             <a:endParaRPr lang="en-US" dirty="0"/>
           </a:p>
@@ -2361,7 +2545,7 @@
           <a:p>
             <a:fld id="{D4842B0A-7F53-46A9-84AD-CAC305830B72}" type="datetime1">
               <a:rPr lang="en-US" altLang="ja-JP" smtClean="0"/>
-              <a:t>6/21/2019</a:t>
+              <a:t>6/23/2019</a:t>
             </a:fld>
             <a:endParaRPr lang="en-US" dirty="0"/>
           </a:p>
@@ -3348,7 +3532,7 @@
           <a:p>
             <a:fld id="{D4842B0A-7F53-46A9-84AD-CAC305830B72}" type="datetime1">
               <a:rPr lang="en-US" altLang="ja-JP" smtClean="0"/>
-              <a:t>6/21/2019</a:t>
+              <a:t>6/23/2019</a:t>
             </a:fld>
             <a:endParaRPr lang="en-US" dirty="0"/>
           </a:p>
@@ -4489,7 +4673,7 @@
           <a:p>
             <a:fld id="{D4842B0A-7F53-46A9-84AD-CAC305830B72}" type="datetime1">
               <a:rPr lang="en-US" altLang="ja-JP" smtClean="0"/>
-              <a:t>6/21/2019</a:t>
+              <a:t>6/23/2019</a:t>
             </a:fld>
             <a:endParaRPr lang="en-US" dirty="0"/>
           </a:p>
@@ -5529,7 +5713,7 @@
           <a:p>
             <a:fld id="{D4842B0A-7F53-46A9-84AD-CAC305830B72}" type="datetime1">
               <a:rPr lang="en-US" altLang="ja-JP" smtClean="0"/>
-              <a:t>6/21/2019</a:t>
+              <a:t>6/23/2019</a:t>
             </a:fld>
             <a:endParaRPr lang="en-US" dirty="0"/>
           </a:p>
@@ -6196,7 +6380,7 @@
           <a:p>
             <a:fld id="{D4842B0A-7F53-46A9-84AD-CAC305830B72}" type="datetime1">
               <a:rPr lang="en-US" altLang="ja-JP" smtClean="0"/>
-              <a:t>6/21/2019</a:t>
+              <a:t>6/23/2019</a:t>
             </a:fld>
             <a:endParaRPr lang="en-US" dirty="0"/>
           </a:p>
@@ -7064,7 +7248,7 @@
           <a:p>
             <a:fld id="{D4842B0A-7F53-46A9-84AD-CAC305830B72}" type="datetime1">
               <a:rPr lang="en-US" altLang="ja-JP" smtClean="0"/>
-              <a:t>6/21/2019</a:t>
+              <a:t>6/23/2019</a:t>
             </a:fld>
             <a:endParaRPr lang="en-US" dirty="0"/>
           </a:p>
@@ -7293,7 +7477,7 @@
           <a:p>
             <a:fld id="{0E6C27FB-3560-4A28-944F-E9F18B426362}" type="datetime1">
               <a:rPr lang="en-US" altLang="ja-JP" smtClean="0"/>
-              <a:t>6/21/2019</a:t>
+              <a:t>6/23/2019</a:t>
             </a:fld>
             <a:endParaRPr lang="en-US" dirty="0"/>
           </a:p>
@@ -8303,7 +8487,7 @@
           <a:p>
             <a:fld id="{531EDF72-96E7-4295-8030-0533A9CFCD4C}" type="datetime1">
               <a:rPr lang="en-US" altLang="ja-JP" smtClean="0"/>
-              <a:t>6/21/2019</a:t>
+              <a:t>6/23/2019</a:t>
             </a:fld>
             <a:endParaRPr lang="en-US" dirty="0"/>
           </a:p>
@@ -8552,7 +8736,7 @@
           <a:p>
             <a:fld id="{EB838B0E-EF5D-444C-86B8-F749174EBA9E}" type="datetime1">
               <a:rPr lang="en-US" altLang="ja-JP" smtClean="0"/>
-              <a:t>6/21/2019</a:t>
+              <a:t>6/23/2019</a:t>
             </a:fld>
             <a:endParaRPr lang="en-US" dirty="0"/>
           </a:p>
@@ -9592,7 +9776,7 @@
           <a:p>
             <a:fld id="{5CAB1F5B-3D1E-4C66-A732-9948D5D1433F}" type="datetime1">
               <a:rPr lang="en-US" altLang="ja-JP" smtClean="0"/>
-              <a:t>6/21/2019</a:t>
+              <a:t>6/23/2019</a:t>
             </a:fld>
             <a:endParaRPr lang="en-US" dirty="0"/>
           </a:p>
@@ -9934,7 +10118,7 @@
           <a:p>
             <a:fld id="{8C9E09E1-9F18-479E-9333-6D5313B28641}" type="datetime1">
               <a:rPr lang="en-US" altLang="ja-JP" smtClean="0"/>
-              <a:t>6/21/2019</a:t>
+              <a:t>6/23/2019</a:t>
             </a:fld>
             <a:endParaRPr lang="en-US" dirty="0"/>
           </a:p>
@@ -10414,7 +10598,7 @@
           <a:p>
             <a:fld id="{0BC6A8C0-A581-4FA1-A218-315132F76B88}" type="datetime1">
               <a:rPr lang="en-US" altLang="ja-JP" smtClean="0"/>
-              <a:t>6/21/2019</a:t>
+              <a:t>6/23/2019</a:t>
             </a:fld>
             <a:endParaRPr lang="en-US" dirty="0"/>
           </a:p>
@@ -10547,7 +10731,7 @@
           <a:p>
             <a:fld id="{075DFA2F-3865-44B8-96BE-FEC694BE28F6}" type="datetime1">
               <a:rPr lang="en-US" altLang="ja-JP" smtClean="0"/>
-              <a:t>6/21/2019</a:t>
+              <a:t>6/23/2019</a:t>
             </a:fld>
             <a:endParaRPr lang="en-US" dirty="0"/>
           </a:p>
@@ -10648,7 +10832,7 @@
           <a:p>
             <a:fld id="{15002988-E463-4896-8A3F-FFAFEE60B5F2}" type="datetime1">
               <a:rPr lang="en-US" altLang="ja-JP" smtClean="0"/>
-              <a:t>6/21/2019</a:t>
+              <a:t>6/23/2019</a:t>
             </a:fld>
             <a:endParaRPr lang="en-US" dirty="0"/>
           </a:p>
@@ -11767,7 +11951,7 @@
           <a:p>
             <a:fld id="{8C00A98F-F361-450E-BF47-856E13DA0A48}" type="datetime1">
               <a:rPr lang="en-US" altLang="ja-JP" smtClean="0"/>
-              <a:t>6/21/2019</a:t>
+              <a:t>6/23/2019</a:t>
             </a:fld>
             <a:endParaRPr lang="en-US" dirty="0"/>
           </a:p>
@@ -12881,7 +13065,7 @@
           <a:p>
             <a:fld id="{9D73FAA7-8321-47E5-914D-3A702AA0F94F}" type="datetime1">
               <a:rPr lang="en-US" altLang="ja-JP" smtClean="0"/>
-              <a:t>6/21/2019</a:t>
+              <a:t>6/23/2019</a:t>
             </a:fld>
             <a:endParaRPr lang="en-US" dirty="0"/>
           </a:p>
@@ -13916,7 +14100,7 @@
           <a:p>
             <a:fld id="{D4842B0A-7F53-46A9-84AD-CAC305830B72}" type="datetime1">
               <a:rPr lang="en-US" altLang="ja-JP" smtClean="0"/>
-              <a:t>6/21/2019</a:t>
+              <a:t>6/23/2019</a:t>
             </a:fld>
             <a:endParaRPr lang="en-US" dirty="0"/>
           </a:p>
@@ -14487,7 +14671,7 @@
           <p:cNvPr id="2" name="タイトル 1">
             <a:extLst>
               <a:ext uri="{FF2B5EF4-FFF2-40B4-BE49-F238E27FC236}">
-                <a16:creationId xmlns:a16="http://schemas.microsoft.com/office/drawing/2014/main" id="{9D1E68BD-FFE9-4217-A392-495F228CC58E}"/>
+                <a16:creationId xmlns:a16="http://schemas.microsoft.com/office/drawing/2014/main" xmlns="" id="{9D1E68BD-FFE9-4217-A392-495F228CC58E}"/>
               </a:ext>
             </a:extLst>
           </p:cNvPr>
@@ -14520,7 +14704,7 @@
           <p:cNvPr id="3" name="字幕 2">
             <a:extLst>
               <a:ext uri="{FF2B5EF4-FFF2-40B4-BE49-F238E27FC236}">
-                <a16:creationId xmlns:a16="http://schemas.microsoft.com/office/drawing/2014/main" id="{DAD47E9A-DB27-42BC-AA6A-E06B1D6A2390}"/>
+                <a16:creationId xmlns:a16="http://schemas.microsoft.com/office/drawing/2014/main" xmlns="" id="{DAD47E9A-DB27-42BC-AA6A-E06B1D6A2390}"/>
               </a:ext>
             </a:extLst>
           </p:cNvPr>
@@ -14631,7 +14815,7 @@
           <p:cNvPr id="4" name="スライド番号プレースホルダー 3">
             <a:extLst>
               <a:ext uri="{FF2B5EF4-FFF2-40B4-BE49-F238E27FC236}">
-                <a16:creationId xmlns:a16="http://schemas.microsoft.com/office/drawing/2014/main" id="{2AEE9859-9B87-47C0-BB43-A9CF15850346}"/>
+                <a16:creationId xmlns:a16="http://schemas.microsoft.com/office/drawing/2014/main" xmlns="" id="{2AEE9859-9B87-47C0-BB43-A9CF15850346}"/>
               </a:ext>
             </a:extLst>
           </p:cNvPr>
@@ -14661,7 +14845,7 @@
           <p:cNvPr id="5" name="テキスト ボックス 4">
             <a:extLst>
               <a:ext uri="{FF2B5EF4-FFF2-40B4-BE49-F238E27FC236}">
-                <a16:creationId xmlns:a16="http://schemas.microsoft.com/office/drawing/2014/main" id="{C6FD9C2A-9D39-46BE-A093-F94C205B8634}"/>
+                <a16:creationId xmlns:a16="http://schemas.microsoft.com/office/drawing/2014/main" xmlns="" id="{C6FD9C2A-9D39-46BE-A093-F94C205B8634}"/>
               </a:ext>
             </a:extLst>
           </p:cNvPr>
@@ -14712,6 +14896,13 @@
   <p:clrMapOvr>
     <a:masterClrMapping/>
   </p:clrMapOvr>
+  <p:timing>
+    <p:tnLst>
+      <p:par>
+        <p:cTn id="1" dur="indefinite" restart="never" nodeType="tmRoot"/>
+      </p:par>
+    </p:tnLst>
+  </p:timing>
 </p:sld>
 </file>
 
@@ -14737,7 +14928,7 @@
           <p:cNvPr id="8" name="スクロール: 横 7">
             <a:extLst>
               <a:ext uri="{FF2B5EF4-FFF2-40B4-BE49-F238E27FC236}">
-                <a16:creationId xmlns:a16="http://schemas.microsoft.com/office/drawing/2014/main" id="{57D47F58-A51F-4B66-842C-6B37E15411C7}"/>
+                <a16:creationId xmlns:a16="http://schemas.microsoft.com/office/drawing/2014/main" xmlns="" id="{57D47F58-A51F-4B66-842C-6B37E15411C7}"/>
               </a:ext>
             </a:extLst>
           </p:cNvPr>
@@ -14796,7 +14987,7 @@
           <p:cNvPr id="2" name="タイトル 1">
             <a:extLst>
               <a:ext uri="{FF2B5EF4-FFF2-40B4-BE49-F238E27FC236}">
-                <a16:creationId xmlns:a16="http://schemas.microsoft.com/office/drawing/2014/main" id="{6928F1E9-37F2-4BBD-86BF-BD43A50AFEAA}"/>
+                <a16:creationId xmlns:a16="http://schemas.microsoft.com/office/drawing/2014/main" xmlns="" id="{6928F1E9-37F2-4BBD-86BF-BD43A50AFEAA}"/>
               </a:ext>
             </a:extLst>
           </p:cNvPr>
@@ -14830,7 +15021,7 @@
           <p:cNvPr id="3" name="コンテンツ プレースホルダー 2">
             <a:extLst>
               <a:ext uri="{FF2B5EF4-FFF2-40B4-BE49-F238E27FC236}">
-                <a16:creationId xmlns:a16="http://schemas.microsoft.com/office/drawing/2014/main" id="{F170D71A-9295-43E6-84D0-D855429DE75D}"/>
+                <a16:creationId xmlns:a16="http://schemas.microsoft.com/office/drawing/2014/main" xmlns="" id="{F170D71A-9295-43E6-84D0-D855429DE75D}"/>
               </a:ext>
             </a:extLst>
           </p:cNvPr>
@@ -14902,7 +15093,7 @@
           <p:cNvPr id="4" name="スライド番号プレースホルダー 3">
             <a:extLst>
               <a:ext uri="{FF2B5EF4-FFF2-40B4-BE49-F238E27FC236}">
-                <a16:creationId xmlns:a16="http://schemas.microsoft.com/office/drawing/2014/main" id="{5F02A023-584F-45B8-8F5A-25B9DCBAC767}"/>
+                <a16:creationId xmlns:a16="http://schemas.microsoft.com/office/drawing/2014/main" xmlns="" id="{5F02A023-584F-45B8-8F5A-25B9DCBAC767}"/>
               </a:ext>
             </a:extLst>
           </p:cNvPr>
@@ -14932,7 +15123,7 @@
           <p:cNvPr id="5" name="テキスト ボックス 4">
             <a:extLst>
               <a:ext uri="{FF2B5EF4-FFF2-40B4-BE49-F238E27FC236}">
-                <a16:creationId xmlns:a16="http://schemas.microsoft.com/office/drawing/2014/main" id="{C9271DCC-99A0-4068-82EA-B855F9651BA3}"/>
+                <a16:creationId xmlns:a16="http://schemas.microsoft.com/office/drawing/2014/main" xmlns="" id="{C9271DCC-99A0-4068-82EA-B855F9651BA3}"/>
               </a:ext>
             </a:extLst>
           </p:cNvPr>
@@ -14978,7 +15169,7 @@
           <p:cNvPr id="12" name="グループ化 11">
             <a:extLst>
               <a:ext uri="{FF2B5EF4-FFF2-40B4-BE49-F238E27FC236}">
-                <a16:creationId xmlns:a16="http://schemas.microsoft.com/office/drawing/2014/main" id="{14410237-8798-464F-81A7-1790CEB8E8B8}"/>
+                <a16:creationId xmlns:a16="http://schemas.microsoft.com/office/drawing/2014/main" xmlns="" id="{14410237-8798-464F-81A7-1790CEB8E8B8}"/>
               </a:ext>
             </a:extLst>
           </p:cNvPr>
@@ -14998,7 +15189,7 @@
             <p:cNvPr id="11" name="楕円 10">
               <a:extLst>
                 <a:ext uri="{FF2B5EF4-FFF2-40B4-BE49-F238E27FC236}">
-                  <a16:creationId xmlns:a16="http://schemas.microsoft.com/office/drawing/2014/main" id="{E2B178EB-E372-4966-9F79-9533D7B6DFD6}"/>
+                  <a16:creationId xmlns:a16="http://schemas.microsoft.com/office/drawing/2014/main" xmlns="" id="{E2B178EB-E372-4966-9F79-9533D7B6DFD6}"/>
                 </a:ext>
               </a:extLst>
             </p:cNvPr>
@@ -15052,7 +15243,7 @@
             <p:cNvPr id="6" name="テキスト ボックス 5">
               <a:extLst>
                 <a:ext uri="{FF2B5EF4-FFF2-40B4-BE49-F238E27FC236}">
-                  <a16:creationId xmlns:a16="http://schemas.microsoft.com/office/drawing/2014/main" id="{69938854-5403-4825-8188-363823B95A9D}"/>
+                  <a16:creationId xmlns:a16="http://schemas.microsoft.com/office/drawing/2014/main" xmlns="" id="{69938854-5403-4825-8188-363823B95A9D}"/>
                 </a:ext>
               </a:extLst>
             </p:cNvPr>
@@ -15089,7 +15280,7 @@
             <p:cNvPr id="9" name="テキスト ボックス 8">
               <a:extLst>
                 <a:ext uri="{FF2B5EF4-FFF2-40B4-BE49-F238E27FC236}">
-                  <a16:creationId xmlns:a16="http://schemas.microsoft.com/office/drawing/2014/main" id="{899283FD-C435-4260-876C-01BD3880741D}"/>
+                  <a16:creationId xmlns:a16="http://schemas.microsoft.com/office/drawing/2014/main" xmlns="" id="{899283FD-C435-4260-876C-01BD3880741D}"/>
                 </a:ext>
               </a:extLst>
             </p:cNvPr>
@@ -15126,7 +15317,7 @@
             <p:cNvPr id="10" name="テキスト ボックス 9">
               <a:extLst>
                 <a:ext uri="{FF2B5EF4-FFF2-40B4-BE49-F238E27FC236}">
-                  <a16:creationId xmlns:a16="http://schemas.microsoft.com/office/drawing/2014/main" id="{DBA09FF7-CB0D-4E20-ACB8-982AA57C51F8}"/>
+                  <a16:creationId xmlns:a16="http://schemas.microsoft.com/office/drawing/2014/main" xmlns="" id="{DBA09FF7-CB0D-4E20-ACB8-982AA57C51F8}"/>
                 </a:ext>
               </a:extLst>
             </p:cNvPr>
@@ -15279,7 +15470,7 @@
           <p:cNvPr id="2" name="タイトル 1">
             <a:extLst>
               <a:ext uri="{FF2B5EF4-FFF2-40B4-BE49-F238E27FC236}">
-                <a16:creationId xmlns:a16="http://schemas.microsoft.com/office/drawing/2014/main" id="{9E29EA26-2019-4A5A-ABB9-131B3D2A48BA}"/>
+                <a16:creationId xmlns:a16="http://schemas.microsoft.com/office/drawing/2014/main" xmlns="" id="{9E29EA26-2019-4A5A-ABB9-131B3D2A48BA}"/>
               </a:ext>
             </a:extLst>
           </p:cNvPr>
@@ -15321,7 +15512,7 @@
           <p:cNvPr id="4" name="スライド番号プレースホルダー 3">
             <a:extLst>
               <a:ext uri="{FF2B5EF4-FFF2-40B4-BE49-F238E27FC236}">
-                <a16:creationId xmlns:a16="http://schemas.microsoft.com/office/drawing/2014/main" id="{7AE57715-8724-4081-A11F-9CE336EAA9BD}"/>
+                <a16:creationId xmlns:a16="http://schemas.microsoft.com/office/drawing/2014/main" xmlns="" id="{7AE57715-8724-4081-A11F-9CE336EAA9BD}"/>
               </a:ext>
             </a:extLst>
           </p:cNvPr>
@@ -15351,7 +15542,7 @@
           <p:cNvPr id="8" name="コンテンツ プレースホルダー 7">
             <a:extLst>
               <a:ext uri="{FF2B5EF4-FFF2-40B4-BE49-F238E27FC236}">
-                <a16:creationId xmlns:a16="http://schemas.microsoft.com/office/drawing/2014/main" id="{CDE71225-34B9-4510-934E-CD55588F2F52}"/>
+                <a16:creationId xmlns:a16="http://schemas.microsoft.com/office/drawing/2014/main" xmlns="" id="{CDE71225-34B9-4510-934E-CD55588F2F52}"/>
               </a:ext>
             </a:extLst>
           </p:cNvPr>
@@ -15427,7 +15618,7 @@
           <p:cNvPr id="14" name="テキスト ボックス 13">
             <a:extLst>
               <a:ext uri="{FF2B5EF4-FFF2-40B4-BE49-F238E27FC236}">
-                <a16:creationId xmlns:a16="http://schemas.microsoft.com/office/drawing/2014/main" id="{A9761A86-CAA9-4D64-BD51-D457430D9D5A}"/>
+                <a16:creationId xmlns:a16="http://schemas.microsoft.com/office/drawing/2014/main" xmlns="" id="{A9761A86-CAA9-4D64-BD51-D457430D9D5A}"/>
               </a:ext>
             </a:extLst>
           </p:cNvPr>
@@ -15478,6 +15669,13 @@
   <p:clrMapOvr>
     <a:masterClrMapping/>
   </p:clrMapOvr>
+  <p:timing>
+    <p:tnLst>
+      <p:par>
+        <p:cTn id="1" dur="indefinite" restart="never" nodeType="tmRoot"/>
+      </p:par>
+    </p:tnLst>
+  </p:timing>
 </p:sld>
 </file>
 
@@ -15503,7 +15701,7 @@
           <p:cNvPr id="2" name="タイトル 1">
             <a:extLst>
               <a:ext uri="{FF2B5EF4-FFF2-40B4-BE49-F238E27FC236}">
-                <a16:creationId xmlns:a16="http://schemas.microsoft.com/office/drawing/2014/main" id="{9E29EA26-2019-4A5A-ABB9-131B3D2A48BA}"/>
+                <a16:creationId xmlns:a16="http://schemas.microsoft.com/office/drawing/2014/main" xmlns="" id="{9E29EA26-2019-4A5A-ABB9-131B3D2A48BA}"/>
               </a:ext>
             </a:extLst>
           </p:cNvPr>
@@ -15545,7 +15743,7 @@
           <p:cNvPr id="4" name="スライド番号プレースホルダー 3">
             <a:extLst>
               <a:ext uri="{FF2B5EF4-FFF2-40B4-BE49-F238E27FC236}">
-                <a16:creationId xmlns:a16="http://schemas.microsoft.com/office/drawing/2014/main" id="{7AE57715-8724-4081-A11F-9CE336EAA9BD}"/>
+                <a16:creationId xmlns:a16="http://schemas.microsoft.com/office/drawing/2014/main" xmlns="" id="{7AE57715-8724-4081-A11F-9CE336EAA9BD}"/>
               </a:ext>
             </a:extLst>
           </p:cNvPr>
@@ -15575,7 +15773,7 @@
           <p:cNvPr id="14" name="テキスト ボックス 13">
             <a:extLst>
               <a:ext uri="{FF2B5EF4-FFF2-40B4-BE49-F238E27FC236}">
-                <a16:creationId xmlns:a16="http://schemas.microsoft.com/office/drawing/2014/main" id="{A9761A86-CAA9-4D64-BD51-D457430D9D5A}"/>
+                <a16:creationId xmlns:a16="http://schemas.microsoft.com/office/drawing/2014/main" xmlns="" id="{A9761A86-CAA9-4D64-BD51-D457430D9D5A}"/>
               </a:ext>
             </a:extLst>
           </p:cNvPr>
@@ -15621,7 +15819,7 @@
           <p:cNvPr id="7" name="直線矢印コネクタ 6">
             <a:extLst>
               <a:ext uri="{FF2B5EF4-FFF2-40B4-BE49-F238E27FC236}">
-                <a16:creationId xmlns:a16="http://schemas.microsoft.com/office/drawing/2014/main" id="{9C59765A-2A99-4294-9E30-D5A11CE12990}"/>
+                <a16:creationId xmlns:a16="http://schemas.microsoft.com/office/drawing/2014/main" xmlns="" id="{9C59765A-2A99-4294-9E30-D5A11CE12990}"/>
               </a:ext>
             </a:extLst>
           </p:cNvPr>
@@ -15667,7 +15865,7 @@
           <p:cNvPr id="12" name="直線矢印コネクタ 11">
             <a:extLst>
               <a:ext uri="{FF2B5EF4-FFF2-40B4-BE49-F238E27FC236}">
-                <a16:creationId xmlns:a16="http://schemas.microsoft.com/office/drawing/2014/main" id="{B7673BC6-8C89-4C55-98CF-65FED24A4AD0}"/>
+                <a16:creationId xmlns:a16="http://schemas.microsoft.com/office/drawing/2014/main" xmlns="" id="{B7673BC6-8C89-4C55-98CF-65FED24A4AD0}"/>
               </a:ext>
             </a:extLst>
           </p:cNvPr>
@@ -15711,7 +15909,7 @@
           <p:cNvPr id="15" name="直線矢印コネクタ 14">
             <a:extLst>
               <a:ext uri="{FF2B5EF4-FFF2-40B4-BE49-F238E27FC236}">
-                <a16:creationId xmlns:a16="http://schemas.microsoft.com/office/drawing/2014/main" id="{73CA80B7-D337-448F-A852-2FD7C528164F}"/>
+                <a16:creationId xmlns:a16="http://schemas.microsoft.com/office/drawing/2014/main" xmlns="" id="{73CA80B7-D337-448F-A852-2FD7C528164F}"/>
               </a:ext>
             </a:extLst>
           </p:cNvPr>
@@ -15755,7 +15953,7 @@
           <p:cNvPr id="25" name="円弧 24">
             <a:extLst>
               <a:ext uri="{FF2B5EF4-FFF2-40B4-BE49-F238E27FC236}">
-                <a16:creationId xmlns:a16="http://schemas.microsoft.com/office/drawing/2014/main" id="{863ED202-CF39-4F64-A2AD-76834A3B88CB}"/>
+                <a16:creationId xmlns:a16="http://schemas.microsoft.com/office/drawing/2014/main" xmlns="" id="{863ED202-CF39-4F64-A2AD-76834A3B88CB}"/>
               </a:ext>
             </a:extLst>
           </p:cNvPr>
@@ -15799,7 +15997,7 @@
           <p:cNvPr id="26" name="円弧 25">
             <a:extLst>
               <a:ext uri="{FF2B5EF4-FFF2-40B4-BE49-F238E27FC236}">
-                <a16:creationId xmlns:a16="http://schemas.microsoft.com/office/drawing/2014/main" id="{293F0E72-0D95-4038-A463-9A8BDB18352F}"/>
+                <a16:creationId xmlns:a16="http://schemas.microsoft.com/office/drawing/2014/main" xmlns="" id="{293F0E72-0D95-4038-A463-9A8BDB18352F}"/>
               </a:ext>
             </a:extLst>
           </p:cNvPr>
@@ -15846,7 +16044,7 @@
           <p:cNvPr id="27" name="テキスト ボックス 26">
             <a:extLst>
               <a:ext uri="{FF2B5EF4-FFF2-40B4-BE49-F238E27FC236}">
-                <a16:creationId xmlns:a16="http://schemas.microsoft.com/office/drawing/2014/main" id="{2D7E671B-D534-4330-A8E9-CC1946902007}"/>
+                <a16:creationId xmlns:a16="http://schemas.microsoft.com/office/drawing/2014/main" xmlns="" id="{2D7E671B-D534-4330-A8E9-CC1946902007}"/>
               </a:ext>
             </a:extLst>
           </p:cNvPr>
@@ -15907,7 +16105,7 @@
           <p:cNvPr id="28" name="テキスト ボックス 27">
             <a:extLst>
               <a:ext uri="{FF2B5EF4-FFF2-40B4-BE49-F238E27FC236}">
-                <a16:creationId xmlns:a16="http://schemas.microsoft.com/office/drawing/2014/main" id="{16103AFE-700D-4BEC-8893-2F36374E8BA8}"/>
+                <a16:creationId xmlns:a16="http://schemas.microsoft.com/office/drawing/2014/main" xmlns="" id="{16103AFE-700D-4BEC-8893-2F36374E8BA8}"/>
               </a:ext>
             </a:extLst>
           </p:cNvPr>
@@ -15962,7 +16160,7 @@
           <p:cNvPr id="29" name="テキスト ボックス 28">
             <a:extLst>
               <a:ext uri="{FF2B5EF4-FFF2-40B4-BE49-F238E27FC236}">
-                <a16:creationId xmlns:a16="http://schemas.microsoft.com/office/drawing/2014/main" id="{C4073A84-E0E8-4D35-8045-059324603964}"/>
+                <a16:creationId xmlns:a16="http://schemas.microsoft.com/office/drawing/2014/main" xmlns="" id="{C4073A84-E0E8-4D35-8045-059324603964}"/>
               </a:ext>
             </a:extLst>
           </p:cNvPr>
@@ -16017,7 +16215,7 @@
           <p:cNvPr id="30" name="テキスト ボックス 29">
             <a:extLst>
               <a:ext uri="{FF2B5EF4-FFF2-40B4-BE49-F238E27FC236}">
-                <a16:creationId xmlns:a16="http://schemas.microsoft.com/office/drawing/2014/main" id="{729BB858-B59A-43C7-B342-B178AA92B317}"/>
+                <a16:creationId xmlns:a16="http://schemas.microsoft.com/office/drawing/2014/main" xmlns="" id="{729BB858-B59A-43C7-B342-B178AA92B317}"/>
               </a:ext>
             </a:extLst>
           </p:cNvPr>
@@ -16155,7 +16353,7 @@
           <p:cNvPr id="33" name="直線矢印コネクタ 32">
             <a:extLst>
               <a:ext uri="{FF2B5EF4-FFF2-40B4-BE49-F238E27FC236}">
-                <a16:creationId xmlns:a16="http://schemas.microsoft.com/office/drawing/2014/main" id="{D6DE3F8A-EE71-463F-8FD5-CAE8CA3F0EF1}"/>
+                <a16:creationId xmlns:a16="http://schemas.microsoft.com/office/drawing/2014/main" xmlns="" id="{D6DE3F8A-EE71-463F-8FD5-CAE8CA3F0EF1}"/>
               </a:ext>
             </a:extLst>
           </p:cNvPr>
@@ -16199,7 +16397,7 @@
           <p:cNvPr id="35" name="テキスト ボックス 34">
             <a:extLst>
               <a:ext uri="{FF2B5EF4-FFF2-40B4-BE49-F238E27FC236}">
-                <a16:creationId xmlns:a16="http://schemas.microsoft.com/office/drawing/2014/main" id="{69933AA6-DA0F-4BC4-9D16-F1AE85F3C5AF}"/>
+                <a16:creationId xmlns:a16="http://schemas.microsoft.com/office/drawing/2014/main" xmlns="" id="{69933AA6-DA0F-4BC4-9D16-F1AE85F3C5AF}"/>
               </a:ext>
             </a:extLst>
           </p:cNvPr>
@@ -16237,14 +16435,14 @@
           </a:p>
         </p:txBody>
       </p:sp>
-      <mc:AlternateContent xmlns:mc="http://schemas.openxmlformats.org/markup-compatibility/2006">
-        <mc:Choice xmlns:a14="http://schemas.microsoft.com/office/drawing/2010/main" Requires="a14">
+      <mc:AlternateContent xmlns:mc="http://schemas.openxmlformats.org/markup-compatibility/2006" xmlns:a14="http://schemas.microsoft.com/office/drawing/2010/main">
+        <mc:Choice Requires="a14">
           <p:sp>
             <p:nvSpPr>
               <p:cNvPr id="38" name="テキスト ボックス 37">
                 <a:extLst>
                   <a:ext uri="{FF2B5EF4-FFF2-40B4-BE49-F238E27FC236}">
-                    <a16:creationId xmlns:a16="http://schemas.microsoft.com/office/drawing/2014/main" id="{0FFBB0BC-3CA4-40EC-AF97-8AC68B4916B0}"/>
+                    <a16:creationId xmlns:a16="http://schemas.microsoft.com/office/drawing/2014/main" xmlns="" id="{0FFBB0BC-3CA4-40EC-AF97-8AC68B4916B0}"/>
                   </a:ext>
                 </a:extLst>
               </p:cNvPr>
@@ -16272,7 +16470,6 @@
               </a:bodyPr>
               <a:lstStyle/>
               <a:p>
-                <a:pPr/>
                 <a14:m>
                   <m:oMath xmlns:m="http://schemas.openxmlformats.org/officeDocument/2006/math">
                     <m:func>
@@ -16331,7 +16528,6 @@
                 <a:endParaRPr kumimoji="1" lang="ja-JP" altLang="en-US" sz="3200" dirty="0"/>
               </a:p>
               <a:p>
-                <a:pPr/>
                 <a14:m>
                   <m:oMath xmlns:m="http://schemas.openxmlformats.org/officeDocument/2006/math">
                     <m:func>
@@ -16396,7 +16592,6 @@
                 <a:endParaRPr kumimoji="1" lang="ja-JP" altLang="en-US" sz="3200" dirty="0"/>
               </a:p>
               <a:p>
-                <a:pPr/>
                 <a14:m>
                   <m:oMath xmlns:m="http://schemas.openxmlformats.org/officeDocument/2006/math">
                     <m:func>
@@ -16457,7 +16652,7 @@
             </p:txBody>
           </p:sp>
         </mc:Choice>
-        <mc:Fallback>
+        <mc:Fallback xmlns="">
           <p:sp>
             <p:nvSpPr>
               <p:cNvPr id="38" name="テキスト ボックス 37">
@@ -16481,7 +16676,7 @@
                 <a:avLst/>
               </a:prstGeom>
               <a:blipFill>
-                <a:blip r:embed="rId2"/>
+                <a:blip r:embed="rId3"/>
                 <a:stretch>
                   <a:fillRect t="-4198" b="-10687"/>
                 </a:stretch>
@@ -16517,6 +16712,13 @@
   <p:clrMapOvr>
     <a:masterClrMapping/>
   </p:clrMapOvr>
+  <p:timing>
+    <p:tnLst>
+      <p:par>
+        <p:cTn id="1" dur="indefinite" restart="never" nodeType="tmRoot"/>
+      </p:par>
+    </p:tnLst>
+  </p:timing>
 </p:sld>
 </file>
 
@@ -16542,7 +16744,7 @@
           <p:cNvPr id="2" name="タイトル 1">
             <a:extLst>
               <a:ext uri="{FF2B5EF4-FFF2-40B4-BE49-F238E27FC236}">
-                <a16:creationId xmlns:a16="http://schemas.microsoft.com/office/drawing/2014/main" id="{6928F1E9-37F2-4BBD-86BF-BD43A50AFEAA}"/>
+                <a16:creationId xmlns:a16="http://schemas.microsoft.com/office/drawing/2014/main" xmlns="" id="{6928F1E9-37F2-4BBD-86BF-BD43A50AFEAA}"/>
               </a:ext>
             </a:extLst>
           </p:cNvPr>
@@ -16576,7 +16778,7 @@
           <p:cNvPr id="3" name="コンテンツ プレースホルダー 2">
             <a:extLst>
               <a:ext uri="{FF2B5EF4-FFF2-40B4-BE49-F238E27FC236}">
-                <a16:creationId xmlns:a16="http://schemas.microsoft.com/office/drawing/2014/main" id="{F170D71A-9295-43E6-84D0-D855429DE75D}"/>
+                <a16:creationId xmlns:a16="http://schemas.microsoft.com/office/drawing/2014/main" xmlns="" id="{F170D71A-9295-43E6-84D0-D855429DE75D}"/>
               </a:ext>
             </a:extLst>
           </p:cNvPr>
@@ -16595,7 +16797,7 @@
         </p:spPr>
         <p:txBody>
           <a:bodyPr>
-            <a:normAutofit lnSpcReduction="10000"/>
+            <a:normAutofit/>
           </a:bodyPr>
           <a:lstStyle/>
           <a:p>
@@ -16651,26 +16853,18 @@
               <a:t>WordCloud</a:t>
             </a:r>
             <a:r>
-              <a:rPr lang="ja-JP" altLang="en-US" sz="3600" dirty="0">
+              <a:rPr lang="ja-JP" altLang="en-US" sz="3600">
                 <a:latin typeface="+mn-ea"/>
               </a:rPr>
-              <a:t>を追加</a:t>
-            </a:r>
-            <a:endParaRPr lang="en-US" altLang="ja-JP" sz="3600" dirty="0">
-              <a:latin typeface="+mn-ea"/>
-            </a:endParaRPr>
-          </a:p>
-          <a:p>
-            <a:pPr marL="0" indent="0">
-              <a:buNone/>
-            </a:pPr>
-            <a:r>
-              <a:rPr kumimoji="1" lang="ja-JP" altLang="en-US" sz="3600" dirty="0">
+              <a:t>を</a:t>
+            </a:r>
+            <a:r>
+              <a:rPr lang="ja-JP" altLang="en-US" sz="3600" smtClean="0">
                 <a:latin typeface="+mn-ea"/>
               </a:rPr>
-              <a:t>　・並列処理の理解</a:t>
-            </a:r>
-            <a:endParaRPr kumimoji="1" lang="en-US" altLang="ja-JP" sz="3600" dirty="0">
+              <a:t>追加</a:t>
+            </a:r>
+            <a:endParaRPr lang="en-US" altLang="ja-JP" sz="3600" dirty="0">
               <a:latin typeface="+mn-ea"/>
             </a:endParaRPr>
           </a:p>
@@ -16681,7 +16875,7 @@
           <p:cNvPr id="4" name="スライド番号プレースホルダー 3">
             <a:extLst>
               <a:ext uri="{FF2B5EF4-FFF2-40B4-BE49-F238E27FC236}">
-                <a16:creationId xmlns:a16="http://schemas.microsoft.com/office/drawing/2014/main" id="{5F02A023-584F-45B8-8F5A-25B9DCBAC767}"/>
+                <a16:creationId xmlns:a16="http://schemas.microsoft.com/office/drawing/2014/main" xmlns="" id="{5F02A023-584F-45B8-8F5A-25B9DCBAC767}"/>
               </a:ext>
             </a:extLst>
           </p:cNvPr>
@@ -16711,7 +16905,7 @@
           <p:cNvPr id="7" name="テキスト ボックス 6">
             <a:extLst>
               <a:ext uri="{FF2B5EF4-FFF2-40B4-BE49-F238E27FC236}">
-                <a16:creationId xmlns:a16="http://schemas.microsoft.com/office/drawing/2014/main" id="{659150EB-DBA6-485D-9FB1-85669813609C}"/>
+                <a16:creationId xmlns:a16="http://schemas.microsoft.com/office/drawing/2014/main" xmlns="" id="{659150EB-DBA6-485D-9FB1-85669813609C}"/>
               </a:ext>
             </a:extLst>
           </p:cNvPr>
@@ -16757,7 +16951,7 @@
           <p:cNvPr id="6" name="テキスト ボックス 5">
             <a:extLst>
               <a:ext uri="{FF2B5EF4-FFF2-40B4-BE49-F238E27FC236}">
-                <a16:creationId xmlns:a16="http://schemas.microsoft.com/office/drawing/2014/main" id="{C4DF5AA9-FDCA-40AD-AC30-EB3026D152CC}"/>
+                <a16:creationId xmlns:a16="http://schemas.microsoft.com/office/drawing/2014/main" xmlns="" id="{C4DF5AA9-FDCA-40AD-AC30-EB3026D152CC}"/>
               </a:ext>
             </a:extLst>
           </p:cNvPr>
@@ -16831,7 +17025,7 @@
           <p:cNvPr id="8" name="直線コネクタ 7">
             <a:extLst>
               <a:ext uri="{FF2B5EF4-FFF2-40B4-BE49-F238E27FC236}">
-                <a16:creationId xmlns:a16="http://schemas.microsoft.com/office/drawing/2014/main" id="{648D64A0-AE58-46D0-9AA9-BEE0636AAA12}"/>
+                <a16:creationId xmlns:a16="http://schemas.microsoft.com/office/drawing/2014/main" xmlns="" id="{648D64A0-AE58-46D0-9AA9-BEE0636AAA12}"/>
               </a:ext>
             </a:extLst>
           </p:cNvPr>
@@ -16879,6 +17073,13 @@
   <p:clrMapOvr>
     <a:masterClrMapping/>
   </p:clrMapOvr>
+  <p:timing>
+    <p:tnLst>
+      <p:par>
+        <p:cTn id="1" dur="indefinite" restart="never" nodeType="tmRoot"/>
+      </p:par>
+    </p:tnLst>
+  </p:timing>
 </p:sld>
 </file>
 
@@ -16904,7 +17105,7 @@
           <p:cNvPr id="3" name="コンテンツ プレースホルダー 2">
             <a:extLst>
               <a:ext uri="{FF2B5EF4-FFF2-40B4-BE49-F238E27FC236}">
-                <a16:creationId xmlns:a16="http://schemas.microsoft.com/office/drawing/2014/main" id="{E60DCB5B-B157-48EF-98B9-365A916DC4C7}"/>
+                <a16:creationId xmlns:a16="http://schemas.microsoft.com/office/drawing/2014/main" xmlns="" id="{E60DCB5B-B157-48EF-98B9-365A916DC4C7}"/>
               </a:ext>
             </a:extLst>
           </p:cNvPr>
@@ -16942,7 +17143,7 @@
           <p:cNvPr id="4" name="スライド番号プレースホルダー 3">
             <a:extLst>
               <a:ext uri="{FF2B5EF4-FFF2-40B4-BE49-F238E27FC236}">
-                <a16:creationId xmlns:a16="http://schemas.microsoft.com/office/drawing/2014/main" id="{A2FA2500-B207-46D5-9A75-F44131BB4C9A}"/>
+                <a16:creationId xmlns:a16="http://schemas.microsoft.com/office/drawing/2014/main" xmlns="" id="{A2FA2500-B207-46D5-9A75-F44131BB4C9A}"/>
               </a:ext>
             </a:extLst>
           </p:cNvPr>
@@ -16972,7 +17173,7 @@
           <p:cNvPr id="5" name="テキスト ボックス 4">
             <a:extLst>
               <a:ext uri="{FF2B5EF4-FFF2-40B4-BE49-F238E27FC236}">
-                <a16:creationId xmlns:a16="http://schemas.microsoft.com/office/drawing/2014/main" id="{BC3D4195-31BF-4D55-A9BD-E6427371E468}"/>
+                <a16:creationId xmlns:a16="http://schemas.microsoft.com/office/drawing/2014/main" xmlns="" id="{BC3D4195-31BF-4D55-A9BD-E6427371E468}"/>
               </a:ext>
             </a:extLst>
           </p:cNvPr>
